--- a/SunDealApp.pptx
+++ b/SunDealApp.pptx
@@ -10,7 +10,8 @@
     <p:sldId id="258" r:id="rId4"/>
     <p:sldId id="259" r:id="rId5"/>
     <p:sldId id="261" r:id="rId6"/>
-    <p:sldId id="262" r:id="rId7"/>
+    <p:sldId id="263" r:id="rId7"/>
+    <p:sldId id="262" r:id="rId8"/>
   </p:sldIdLst>
   <p:sldSz cx="12192000" cy="6858000"/>
   <p:notesSz cx="6858000" cy="9144000"/>
@@ -109,6 +110,11 @@
       </a:defRPr>
     </a:lvl9pPr>
   </p:defaultTextStyle>
+  <p:extLst>
+    <p:ext uri="{EFAFB233-063F-42B5-8137-9DF3F51BA10A}">
+      <p15:sldGuideLst xmlns:p15="http://schemas.microsoft.com/office/powerpoint/2012/main"/>
+    </p:ext>
+  </p:extLst>
 </p:presentation>
 </file>
 
@@ -261,7 +267,7 @@
           <a:p>
             <a:fld id="{5B6F7400-176A-49B2-8768-BC4900D21B90}" type="datetimeFigureOut">
               <a:rPr lang="pl-PL" smtClean="0"/>
-              <a:t>2018-04-16</a:t>
+              <a:t>17.04.2018</a:t>
             </a:fld>
             <a:endParaRPr lang="pl-PL"/>
           </a:p>
@@ -461,7 +467,7 @@
           <a:p>
             <a:fld id="{5B6F7400-176A-49B2-8768-BC4900D21B90}" type="datetimeFigureOut">
               <a:rPr lang="pl-PL" smtClean="0"/>
-              <a:t>2018-04-16</a:t>
+              <a:t>17.04.2018</a:t>
             </a:fld>
             <a:endParaRPr lang="pl-PL"/>
           </a:p>
@@ -671,7 +677,7 @@
           <a:p>
             <a:fld id="{5B6F7400-176A-49B2-8768-BC4900D21B90}" type="datetimeFigureOut">
               <a:rPr lang="pl-PL" smtClean="0"/>
-              <a:t>2018-04-16</a:t>
+              <a:t>17.04.2018</a:t>
             </a:fld>
             <a:endParaRPr lang="pl-PL"/>
           </a:p>
@@ -871,7 +877,7 @@
           <a:p>
             <a:fld id="{5B6F7400-176A-49B2-8768-BC4900D21B90}" type="datetimeFigureOut">
               <a:rPr lang="pl-PL" smtClean="0"/>
-              <a:t>2018-04-16</a:t>
+              <a:t>17.04.2018</a:t>
             </a:fld>
             <a:endParaRPr lang="pl-PL"/>
           </a:p>
@@ -1147,7 +1153,7 @@
           <a:p>
             <a:fld id="{5B6F7400-176A-49B2-8768-BC4900D21B90}" type="datetimeFigureOut">
               <a:rPr lang="pl-PL" smtClean="0"/>
-              <a:t>2018-04-16</a:t>
+              <a:t>17.04.2018</a:t>
             </a:fld>
             <a:endParaRPr lang="pl-PL"/>
           </a:p>
@@ -1415,7 +1421,7 @@
           <a:p>
             <a:fld id="{5B6F7400-176A-49B2-8768-BC4900D21B90}" type="datetimeFigureOut">
               <a:rPr lang="pl-PL" smtClean="0"/>
-              <a:t>2018-04-16</a:t>
+              <a:t>17.04.2018</a:t>
             </a:fld>
             <a:endParaRPr lang="pl-PL"/>
           </a:p>
@@ -1830,7 +1836,7 @@
           <a:p>
             <a:fld id="{5B6F7400-176A-49B2-8768-BC4900D21B90}" type="datetimeFigureOut">
               <a:rPr lang="pl-PL" smtClean="0"/>
-              <a:t>2018-04-16</a:t>
+              <a:t>17.04.2018</a:t>
             </a:fld>
             <a:endParaRPr lang="pl-PL"/>
           </a:p>
@@ -1972,7 +1978,7 @@
           <a:p>
             <a:fld id="{5B6F7400-176A-49B2-8768-BC4900D21B90}" type="datetimeFigureOut">
               <a:rPr lang="pl-PL" smtClean="0"/>
-              <a:t>2018-04-16</a:t>
+              <a:t>17.04.2018</a:t>
             </a:fld>
             <a:endParaRPr lang="pl-PL"/>
           </a:p>
@@ -2085,7 +2091,7 @@
           <a:p>
             <a:fld id="{5B6F7400-176A-49B2-8768-BC4900D21B90}" type="datetimeFigureOut">
               <a:rPr lang="pl-PL" smtClean="0"/>
-              <a:t>2018-04-16</a:t>
+              <a:t>17.04.2018</a:t>
             </a:fld>
             <a:endParaRPr lang="pl-PL"/>
           </a:p>
@@ -2398,7 +2404,7 @@
           <a:p>
             <a:fld id="{5B6F7400-176A-49B2-8768-BC4900D21B90}" type="datetimeFigureOut">
               <a:rPr lang="pl-PL" smtClean="0"/>
-              <a:t>2018-04-16</a:t>
+              <a:t>17.04.2018</a:t>
             </a:fld>
             <a:endParaRPr lang="pl-PL"/>
           </a:p>
@@ -2687,7 +2693,7 @@
           <a:p>
             <a:fld id="{5B6F7400-176A-49B2-8768-BC4900D21B90}" type="datetimeFigureOut">
               <a:rPr lang="pl-PL" smtClean="0"/>
-              <a:t>2018-04-16</a:t>
+              <a:t>17.04.2018</a:t>
             </a:fld>
             <a:endParaRPr lang="pl-PL"/>
           </a:p>
@@ -2930,7 +2936,7 @@
           <a:p>
             <a:fld id="{5B6F7400-176A-49B2-8768-BC4900D21B90}" type="datetimeFigureOut">
               <a:rPr lang="pl-PL" smtClean="0"/>
-              <a:t>2018-04-16</a:t>
+              <a:t>17.04.2018</a:t>
             </a:fld>
             <a:endParaRPr lang="pl-PL"/>
           </a:p>
@@ -5021,7 +5027,7 @@
               <a:rPr lang="pl-PL" sz="4000" dirty="0">
                 <a:latin typeface="Segoe UI Light" panose="020B0502040204020203" pitchFamily="34" charset="0"/>
               </a:rPr>
-              <a:t>Skład zespołu</a:t>
+              <a:t>Funkcjonalność</a:t>
             </a:r>
           </a:p>
         </p:txBody>
@@ -5077,6 +5083,257 @@
         <p:spPr>
           <a:xfrm>
             <a:off x="827311" y="1596571"/>
+            <a:ext cx="10293270" cy="800219"/>
+          </a:xfrm>
+          <a:prstGeom prst="rect">
+            <a:avLst/>
+          </a:prstGeom>
+          <a:noFill/>
+        </p:spPr>
+        <p:txBody>
+          <a:bodyPr wrap="square" rtlCol="0">
+            <a:spAutoFit/>
+          </a:bodyPr>
+          <a:lstStyle/>
+          <a:p>
+            <a:r>
+              <a:rPr lang="pl-PL" sz="2800" dirty="0">
+                <a:solidFill>
+                  <a:srgbClr val="00B0F0"/>
+                </a:solidFill>
+                <a:latin typeface="Segoe UI Light" panose="020B0502040204020203" pitchFamily="34" charset="0"/>
+              </a:rPr>
+              <a:t>Okno wyszukiwania</a:t>
+            </a:r>
+          </a:p>
+          <a:p>
+            <a:r>
+              <a:rPr lang="pl-PL" dirty="0">
+                <a:latin typeface="Segoe UI Light" panose="020B0502040204020203" pitchFamily="34" charset="0"/>
+              </a:rPr>
+              <a:t>Pole wpisywania szukanej frazy, które umożliwia dostęp do bazy produktów i użytkowników.</a:t>
+            </a:r>
+          </a:p>
+        </p:txBody>
+      </p:sp>
+      <p:sp>
+        <p:nvSpPr>
+          <p:cNvPr id="10" name="TextBox 9">
+            <a:extLst>
+              <a:ext uri="{FF2B5EF4-FFF2-40B4-BE49-F238E27FC236}">
+                <a16:creationId xmlns:a16="http://schemas.microsoft.com/office/drawing/2014/main" id="{41017B4A-D900-4BB3-B031-B02A354C3A72}"/>
+              </a:ext>
+            </a:extLst>
+          </p:cNvPr>
+          <p:cNvSpPr txBox="1"/>
+          <p:nvPr/>
+        </p:nvSpPr>
+        <p:spPr>
+          <a:xfrm>
+            <a:off x="827311" y="2782576"/>
+            <a:ext cx="10293271" cy="1077218"/>
+          </a:xfrm>
+          <a:prstGeom prst="rect">
+            <a:avLst/>
+          </a:prstGeom>
+          <a:noFill/>
+        </p:spPr>
+        <p:txBody>
+          <a:bodyPr wrap="square" rtlCol="0">
+            <a:spAutoFit/>
+          </a:bodyPr>
+          <a:lstStyle/>
+          <a:p>
+            <a:r>
+              <a:rPr lang="pl-PL" sz="2800" dirty="0">
+                <a:solidFill>
+                  <a:srgbClr val="00B0F0"/>
+                </a:solidFill>
+                <a:latin typeface="Segoe UI Light" panose="020B0502040204020203" pitchFamily="34" charset="0"/>
+              </a:rPr>
+              <a:t>Panel użytkownika</a:t>
+            </a:r>
+          </a:p>
+          <a:p>
+            <a:pPr algn="just"/>
+            <a:r>
+              <a:rPr lang="pl-PL" dirty="0">
+                <a:latin typeface="Segoe UI Light" panose="020B0502040204020203" pitchFamily="34" charset="0"/>
+              </a:rPr>
+              <a:t>Intuicyjny panel pozwalający na personalizację profilu użytkownika, zarządzanie wymianami, przeglądanie historii transakcji. Dodatkowo funkcja społecznościowa – prosta komunikacja między użytkownikami.</a:t>
+            </a:r>
+          </a:p>
+        </p:txBody>
+      </p:sp>
+      <p:sp>
+        <p:nvSpPr>
+          <p:cNvPr id="11" name="TextBox 10">
+            <a:extLst>
+              <a:ext uri="{FF2B5EF4-FFF2-40B4-BE49-F238E27FC236}">
+                <a16:creationId xmlns:a16="http://schemas.microsoft.com/office/drawing/2014/main" id="{21361D5F-2C94-40A0-AF33-8E2A496065E2}"/>
+              </a:ext>
+            </a:extLst>
+          </p:cNvPr>
+          <p:cNvSpPr txBox="1"/>
+          <p:nvPr/>
+        </p:nvSpPr>
+        <p:spPr>
+          <a:xfrm>
+            <a:off x="827311" y="4245580"/>
+            <a:ext cx="10293271" cy="800219"/>
+          </a:xfrm>
+          <a:prstGeom prst="rect">
+            <a:avLst/>
+          </a:prstGeom>
+          <a:noFill/>
+        </p:spPr>
+        <p:txBody>
+          <a:bodyPr wrap="square" rtlCol="0">
+            <a:spAutoFit/>
+          </a:bodyPr>
+          <a:lstStyle/>
+          <a:p>
+            <a:r>
+              <a:rPr lang="pl-PL" sz="2800" dirty="0">
+                <a:solidFill>
+                  <a:srgbClr val="00B0F0"/>
+                </a:solidFill>
+                <a:latin typeface="Segoe UI Light" panose="020B0502040204020203" pitchFamily="34" charset="0"/>
+              </a:rPr>
+              <a:t>Okno dodawania produktów</a:t>
+            </a:r>
+            <a:endParaRPr lang="pl-PL" dirty="0">
+              <a:latin typeface="Segoe UI Light" panose="020B0502040204020203" pitchFamily="34" charset="0"/>
+            </a:endParaRPr>
+          </a:p>
+          <a:p>
+            <a:r>
+              <a:rPr lang="pl-PL" dirty="0">
+                <a:latin typeface="Segoe UI Light" panose="020B0502040204020203" pitchFamily="34" charset="0"/>
+              </a:rPr>
+              <a:t>Pola nazwy produktu, opis, automatyczna geolokalizacja, wybór żądanych opcji.</a:t>
+            </a:r>
+          </a:p>
+        </p:txBody>
+      </p:sp>
+    </p:spTree>
+    <p:extLst>
+      <p:ext uri="{BB962C8B-B14F-4D97-AF65-F5344CB8AC3E}">
+        <p14:creationId xmlns:p14="http://schemas.microsoft.com/office/powerpoint/2010/main" val="1507158260"/>
+      </p:ext>
+    </p:extLst>
+  </p:cSld>
+  <p:clrMapOvr>
+    <a:masterClrMapping/>
+  </p:clrMapOvr>
+</p:sld>
+</file>
+
+<file path=ppt/slides/slide6.xml><?xml version="1.0" encoding="utf-8"?>
+<p:sld xmlns:a="http://schemas.openxmlformats.org/drawingml/2006/main" xmlns:r="http://schemas.openxmlformats.org/officeDocument/2006/relationships" xmlns:p="http://schemas.openxmlformats.org/presentationml/2006/main">
+  <p:cSld>
+    <p:spTree>
+      <p:nvGrpSpPr>
+        <p:cNvPr id="1" name=""/>
+        <p:cNvGrpSpPr/>
+        <p:nvPr/>
+      </p:nvGrpSpPr>
+      <p:grpSpPr>
+        <a:xfrm>
+          <a:off x="0" y="0"/>
+          <a:ext cx="0" cy="0"/>
+          <a:chOff x="0" y="0"/>
+          <a:chExt cx="0" cy="0"/>
+        </a:xfrm>
+      </p:grpSpPr>
+      <p:sp>
+        <p:nvSpPr>
+          <p:cNvPr id="6" name="TextBox 5">
+            <a:extLst>
+              <a:ext uri="{FF2B5EF4-FFF2-40B4-BE49-F238E27FC236}">
+                <a16:creationId xmlns:a16="http://schemas.microsoft.com/office/drawing/2014/main" id="{4F14EFFD-F4F5-44D8-BF8F-0BD388124B31}"/>
+              </a:ext>
+            </a:extLst>
+          </p:cNvPr>
+          <p:cNvSpPr txBox="1"/>
+          <p:nvPr/>
+        </p:nvSpPr>
+        <p:spPr>
+          <a:xfrm>
+            <a:off x="827315" y="357257"/>
+            <a:ext cx="6386286" cy="707886"/>
+          </a:xfrm>
+          <a:prstGeom prst="rect">
+            <a:avLst/>
+          </a:prstGeom>
+          <a:noFill/>
+        </p:spPr>
+        <p:txBody>
+          <a:bodyPr wrap="square" rtlCol="0">
+            <a:spAutoFit/>
+          </a:bodyPr>
+          <a:lstStyle/>
+          <a:p>
+            <a:r>
+              <a:rPr lang="pl-PL" sz="4000" dirty="0">
+                <a:latin typeface="Segoe UI Light" panose="020B0502040204020203" pitchFamily="34" charset="0"/>
+              </a:rPr>
+              <a:t>Skład zespołu</a:t>
+            </a:r>
+          </a:p>
+        </p:txBody>
+      </p:sp>
+      <p:cxnSp>
+        <p:nvCxnSpPr>
+          <p:cNvPr id="8" name="Straight Connector 7">
+            <a:extLst>
+              <a:ext uri="{FF2B5EF4-FFF2-40B4-BE49-F238E27FC236}">
+                <a16:creationId xmlns:a16="http://schemas.microsoft.com/office/drawing/2014/main" id="{99FD36D2-7677-4E98-91BF-00C4A9554B3D}"/>
+              </a:ext>
+            </a:extLst>
+          </p:cNvPr>
+          <p:cNvCxnSpPr/>
+          <p:nvPr/>
+        </p:nvCxnSpPr>
+        <p:spPr>
+          <a:xfrm>
+            <a:off x="827314" y="1094171"/>
+            <a:ext cx="10537372" cy="0"/>
+          </a:xfrm>
+          <a:prstGeom prst="line">
+            <a:avLst/>
+          </a:prstGeom>
+        </p:spPr>
+        <p:style>
+          <a:lnRef idx="1">
+            <a:schemeClr val="dk1"/>
+          </a:lnRef>
+          <a:fillRef idx="0">
+            <a:schemeClr val="dk1"/>
+          </a:fillRef>
+          <a:effectRef idx="0">
+            <a:schemeClr val="dk1"/>
+          </a:effectRef>
+          <a:fontRef idx="minor">
+            <a:schemeClr val="tx1"/>
+          </a:fontRef>
+        </p:style>
+      </p:cxnSp>
+      <p:sp>
+        <p:nvSpPr>
+          <p:cNvPr id="9" name="TextBox 8">
+            <a:extLst>
+              <a:ext uri="{FF2B5EF4-FFF2-40B4-BE49-F238E27FC236}">
+                <a16:creationId xmlns:a16="http://schemas.microsoft.com/office/drawing/2014/main" id="{A74FC5A4-E0BD-44E8-82CE-E1566C7E0A12}"/>
+              </a:ext>
+            </a:extLst>
+          </p:cNvPr>
+          <p:cNvSpPr txBox="1"/>
+          <p:nvPr/>
+        </p:nvSpPr>
+        <p:spPr>
+          <a:xfrm>
+            <a:off x="827311" y="1596571"/>
             <a:ext cx="4920343" cy="800219"/>
           </a:xfrm>
           <a:prstGeom prst="rect">
@@ -5105,7 +5362,7 @@
               <a:rPr lang="pl-PL" dirty="0">
                 <a:latin typeface="Segoe UI Light" panose="020B0502040204020203" pitchFamily="34" charset="0"/>
               </a:rPr>
-              <a:t>Funkcjonalność</a:t>
+              <a:t>Funkcjonalność, baza danych</a:t>
             </a:r>
           </a:p>
         </p:txBody>
@@ -5201,7 +5458,7 @@
               <a:rPr lang="pl-PL" dirty="0">
                 <a:latin typeface="Segoe UI Light" panose="020B0502040204020203" pitchFamily="34" charset="0"/>
               </a:rPr>
-              <a:t>Interfejs, funkcjonalność</a:t>
+              <a:t>Bezpieczeństwo, funkcjonalność</a:t>
             </a:r>
           </a:p>
         </p:txBody>
@@ -5209,7 +5466,7 @@
     </p:spTree>
     <p:extLst>
       <p:ext uri="{BB962C8B-B14F-4D97-AF65-F5344CB8AC3E}">
-        <p14:creationId xmlns:p14="http://schemas.microsoft.com/office/powerpoint/2010/main" val="1507158260"/>
+        <p14:creationId xmlns:p14="http://schemas.microsoft.com/office/powerpoint/2010/main" val="3214909401"/>
       </p:ext>
     </p:extLst>
   </p:cSld>
@@ -5413,7 +5670,7 @@
 </p:sld>
 </file>
 
-<file path=ppt/slides/slide6.xml><?xml version="1.0" encoding="utf-8"?>
+<file path=ppt/slides/slide7.xml><?xml version="1.0" encoding="utf-8"?>
 <p:sld xmlns:a="http://schemas.openxmlformats.org/drawingml/2006/main" xmlns:r="http://schemas.openxmlformats.org/officeDocument/2006/relationships" xmlns:p="http://schemas.openxmlformats.org/presentationml/2006/main">
   <p:cSld>
     <p:spTree>
@@ -5518,7 +5775,7 @@
         <p:spPr>
           <a:xfrm>
             <a:off x="1074057" y="1625600"/>
-            <a:ext cx="6429829" cy="3046988"/>
+            <a:ext cx="8329825" cy="3347519"/>
           </a:xfrm>
           <a:prstGeom prst="rect">
             <a:avLst/>
@@ -5532,6 +5789,9 @@
           <a:lstStyle/>
           <a:p>
             <a:pPr marL="342900" indent="-342900">
+              <a:lnSpc>
+                <a:spcPct val="150000"/>
+              </a:lnSpc>
               <a:buFont typeface="+mj-lt"/>
               <a:buAutoNum type="arabicPeriod"/>
             </a:pPr>
@@ -5544,6 +5804,9 @@
           </a:p>
           <a:p>
             <a:pPr marL="342900" indent="-342900">
+              <a:lnSpc>
+                <a:spcPct val="150000"/>
+              </a:lnSpc>
               <a:buFont typeface="+mj-lt"/>
               <a:buAutoNum type="arabicPeriod"/>
             </a:pPr>
@@ -5556,6 +5819,9 @@
           </a:p>
           <a:p>
             <a:pPr marL="342900" indent="-342900">
+              <a:lnSpc>
+                <a:spcPct val="150000"/>
+              </a:lnSpc>
               <a:buFont typeface="+mj-lt"/>
               <a:buAutoNum type="arabicPeriod"/>
             </a:pPr>
@@ -5568,6 +5834,9 @@
           </a:p>
           <a:p>
             <a:pPr marL="342900" indent="-342900">
+              <a:lnSpc>
+                <a:spcPct val="150000"/>
+              </a:lnSpc>
               <a:buFont typeface="+mj-lt"/>
               <a:buAutoNum type="arabicPeriod"/>
             </a:pPr>
@@ -5580,6 +5849,9 @@
           </a:p>
           <a:p>
             <a:pPr marL="342900" indent="-342900">
+              <a:lnSpc>
+                <a:spcPct val="150000"/>
+              </a:lnSpc>
               <a:buFont typeface="+mj-lt"/>
               <a:buAutoNum type="arabicPeriod"/>
             </a:pPr>
@@ -5592,6 +5864,9 @@
           </a:p>
           <a:p>
             <a:pPr marL="342900" indent="-342900">
+              <a:lnSpc>
+                <a:spcPct val="150000"/>
+              </a:lnSpc>
               <a:buFont typeface="+mj-lt"/>
               <a:buAutoNum type="arabicPeriod"/>
             </a:pPr>

--- a/SunDealApp.pptx
+++ b/SunDealApp.pptx
@@ -10,8 +10,7 @@
     <p:sldId id="258" r:id="rId4"/>
     <p:sldId id="259" r:id="rId5"/>
     <p:sldId id="261" r:id="rId6"/>
-    <p:sldId id="263" r:id="rId7"/>
-    <p:sldId id="262" r:id="rId8"/>
+    <p:sldId id="262" r:id="rId7"/>
   </p:sldIdLst>
   <p:sldSz cx="12192000" cy="6858000"/>
   <p:notesSz cx="6858000" cy="9144000"/>
@@ -110,11 +109,6 @@
       </a:defRPr>
     </a:lvl9pPr>
   </p:defaultTextStyle>
-  <p:extLst>
-    <p:ext uri="{EFAFB233-063F-42B5-8137-9DF3F51BA10A}">
-      <p15:sldGuideLst xmlns:p15="http://schemas.microsoft.com/office/powerpoint/2012/main"/>
-    </p:ext>
-  </p:extLst>
 </p:presentation>
 </file>
 
@@ -267,7 +261,7 @@
           <a:p>
             <a:fld id="{5B6F7400-176A-49B2-8768-BC4900D21B90}" type="datetimeFigureOut">
               <a:rPr lang="pl-PL" smtClean="0"/>
-              <a:t>17.04.2018</a:t>
+              <a:t>2018-04-16</a:t>
             </a:fld>
             <a:endParaRPr lang="pl-PL"/>
           </a:p>
@@ -467,7 +461,7 @@
           <a:p>
             <a:fld id="{5B6F7400-176A-49B2-8768-BC4900D21B90}" type="datetimeFigureOut">
               <a:rPr lang="pl-PL" smtClean="0"/>
-              <a:t>17.04.2018</a:t>
+              <a:t>2018-04-16</a:t>
             </a:fld>
             <a:endParaRPr lang="pl-PL"/>
           </a:p>
@@ -677,7 +671,7 @@
           <a:p>
             <a:fld id="{5B6F7400-176A-49B2-8768-BC4900D21B90}" type="datetimeFigureOut">
               <a:rPr lang="pl-PL" smtClean="0"/>
-              <a:t>17.04.2018</a:t>
+              <a:t>2018-04-16</a:t>
             </a:fld>
             <a:endParaRPr lang="pl-PL"/>
           </a:p>
@@ -877,7 +871,7 @@
           <a:p>
             <a:fld id="{5B6F7400-176A-49B2-8768-BC4900D21B90}" type="datetimeFigureOut">
               <a:rPr lang="pl-PL" smtClean="0"/>
-              <a:t>17.04.2018</a:t>
+              <a:t>2018-04-16</a:t>
             </a:fld>
             <a:endParaRPr lang="pl-PL"/>
           </a:p>
@@ -1153,7 +1147,7 @@
           <a:p>
             <a:fld id="{5B6F7400-176A-49B2-8768-BC4900D21B90}" type="datetimeFigureOut">
               <a:rPr lang="pl-PL" smtClean="0"/>
-              <a:t>17.04.2018</a:t>
+              <a:t>2018-04-16</a:t>
             </a:fld>
             <a:endParaRPr lang="pl-PL"/>
           </a:p>
@@ -1421,7 +1415,7 @@
           <a:p>
             <a:fld id="{5B6F7400-176A-49B2-8768-BC4900D21B90}" type="datetimeFigureOut">
               <a:rPr lang="pl-PL" smtClean="0"/>
-              <a:t>17.04.2018</a:t>
+              <a:t>2018-04-16</a:t>
             </a:fld>
             <a:endParaRPr lang="pl-PL"/>
           </a:p>
@@ -1836,7 +1830,7 @@
           <a:p>
             <a:fld id="{5B6F7400-176A-49B2-8768-BC4900D21B90}" type="datetimeFigureOut">
               <a:rPr lang="pl-PL" smtClean="0"/>
-              <a:t>17.04.2018</a:t>
+              <a:t>2018-04-16</a:t>
             </a:fld>
             <a:endParaRPr lang="pl-PL"/>
           </a:p>
@@ -1978,7 +1972,7 @@
           <a:p>
             <a:fld id="{5B6F7400-176A-49B2-8768-BC4900D21B90}" type="datetimeFigureOut">
               <a:rPr lang="pl-PL" smtClean="0"/>
-              <a:t>17.04.2018</a:t>
+              <a:t>2018-04-16</a:t>
             </a:fld>
             <a:endParaRPr lang="pl-PL"/>
           </a:p>
@@ -2091,7 +2085,7 @@
           <a:p>
             <a:fld id="{5B6F7400-176A-49B2-8768-BC4900D21B90}" type="datetimeFigureOut">
               <a:rPr lang="pl-PL" smtClean="0"/>
-              <a:t>17.04.2018</a:t>
+              <a:t>2018-04-16</a:t>
             </a:fld>
             <a:endParaRPr lang="pl-PL"/>
           </a:p>
@@ -2404,7 +2398,7 @@
           <a:p>
             <a:fld id="{5B6F7400-176A-49B2-8768-BC4900D21B90}" type="datetimeFigureOut">
               <a:rPr lang="pl-PL" smtClean="0"/>
-              <a:t>17.04.2018</a:t>
+              <a:t>2018-04-16</a:t>
             </a:fld>
             <a:endParaRPr lang="pl-PL"/>
           </a:p>
@@ -2693,7 +2687,7 @@
           <a:p>
             <a:fld id="{5B6F7400-176A-49B2-8768-BC4900D21B90}" type="datetimeFigureOut">
               <a:rPr lang="pl-PL" smtClean="0"/>
-              <a:t>17.04.2018</a:t>
+              <a:t>2018-04-16</a:t>
             </a:fld>
             <a:endParaRPr lang="pl-PL"/>
           </a:p>
@@ -2936,7 +2930,7 @@
           <a:p>
             <a:fld id="{5B6F7400-176A-49B2-8768-BC4900D21B90}" type="datetimeFigureOut">
               <a:rPr lang="pl-PL" smtClean="0"/>
-              <a:t>17.04.2018</a:t>
+              <a:t>2018-04-16</a:t>
             </a:fld>
             <a:endParaRPr lang="pl-PL"/>
           </a:p>
@@ -5027,7 +5021,7 @@
               <a:rPr lang="pl-PL" sz="4000" dirty="0">
                 <a:latin typeface="Segoe UI Light" panose="020B0502040204020203" pitchFamily="34" charset="0"/>
               </a:rPr>
-              <a:t>Funkcjonalność</a:t>
+              <a:t>Skład zespołu</a:t>
             </a:r>
           </a:p>
         </p:txBody>
@@ -5083,257 +5077,6 @@
         <p:spPr>
           <a:xfrm>
             <a:off x="827311" y="1596571"/>
-            <a:ext cx="10293270" cy="800219"/>
-          </a:xfrm>
-          <a:prstGeom prst="rect">
-            <a:avLst/>
-          </a:prstGeom>
-          <a:noFill/>
-        </p:spPr>
-        <p:txBody>
-          <a:bodyPr wrap="square" rtlCol="0">
-            <a:spAutoFit/>
-          </a:bodyPr>
-          <a:lstStyle/>
-          <a:p>
-            <a:r>
-              <a:rPr lang="pl-PL" sz="2800" dirty="0">
-                <a:solidFill>
-                  <a:srgbClr val="00B0F0"/>
-                </a:solidFill>
-                <a:latin typeface="Segoe UI Light" panose="020B0502040204020203" pitchFamily="34" charset="0"/>
-              </a:rPr>
-              <a:t>Okno wyszukiwania</a:t>
-            </a:r>
-          </a:p>
-          <a:p>
-            <a:r>
-              <a:rPr lang="pl-PL" dirty="0">
-                <a:latin typeface="Segoe UI Light" panose="020B0502040204020203" pitchFamily="34" charset="0"/>
-              </a:rPr>
-              <a:t>Pole wpisywania szukanej frazy, które umożliwia dostęp do bazy produktów i użytkowników.</a:t>
-            </a:r>
-          </a:p>
-        </p:txBody>
-      </p:sp>
-      <p:sp>
-        <p:nvSpPr>
-          <p:cNvPr id="10" name="TextBox 9">
-            <a:extLst>
-              <a:ext uri="{FF2B5EF4-FFF2-40B4-BE49-F238E27FC236}">
-                <a16:creationId xmlns:a16="http://schemas.microsoft.com/office/drawing/2014/main" id="{41017B4A-D900-4BB3-B031-B02A354C3A72}"/>
-              </a:ext>
-            </a:extLst>
-          </p:cNvPr>
-          <p:cNvSpPr txBox="1"/>
-          <p:nvPr/>
-        </p:nvSpPr>
-        <p:spPr>
-          <a:xfrm>
-            <a:off x="827311" y="2782576"/>
-            <a:ext cx="10293271" cy="1077218"/>
-          </a:xfrm>
-          <a:prstGeom prst="rect">
-            <a:avLst/>
-          </a:prstGeom>
-          <a:noFill/>
-        </p:spPr>
-        <p:txBody>
-          <a:bodyPr wrap="square" rtlCol="0">
-            <a:spAutoFit/>
-          </a:bodyPr>
-          <a:lstStyle/>
-          <a:p>
-            <a:r>
-              <a:rPr lang="pl-PL" sz="2800" dirty="0">
-                <a:solidFill>
-                  <a:srgbClr val="00B0F0"/>
-                </a:solidFill>
-                <a:latin typeface="Segoe UI Light" panose="020B0502040204020203" pitchFamily="34" charset="0"/>
-              </a:rPr>
-              <a:t>Panel użytkownika</a:t>
-            </a:r>
-          </a:p>
-          <a:p>
-            <a:pPr algn="just"/>
-            <a:r>
-              <a:rPr lang="pl-PL" dirty="0">
-                <a:latin typeface="Segoe UI Light" panose="020B0502040204020203" pitchFamily="34" charset="0"/>
-              </a:rPr>
-              <a:t>Intuicyjny panel pozwalający na personalizację profilu użytkownika, zarządzanie wymianami, przeglądanie historii transakcji. Dodatkowo funkcja społecznościowa – prosta komunikacja między użytkownikami.</a:t>
-            </a:r>
-          </a:p>
-        </p:txBody>
-      </p:sp>
-      <p:sp>
-        <p:nvSpPr>
-          <p:cNvPr id="11" name="TextBox 10">
-            <a:extLst>
-              <a:ext uri="{FF2B5EF4-FFF2-40B4-BE49-F238E27FC236}">
-                <a16:creationId xmlns:a16="http://schemas.microsoft.com/office/drawing/2014/main" id="{21361D5F-2C94-40A0-AF33-8E2A496065E2}"/>
-              </a:ext>
-            </a:extLst>
-          </p:cNvPr>
-          <p:cNvSpPr txBox="1"/>
-          <p:nvPr/>
-        </p:nvSpPr>
-        <p:spPr>
-          <a:xfrm>
-            <a:off x="827311" y="4245580"/>
-            <a:ext cx="10293271" cy="800219"/>
-          </a:xfrm>
-          <a:prstGeom prst="rect">
-            <a:avLst/>
-          </a:prstGeom>
-          <a:noFill/>
-        </p:spPr>
-        <p:txBody>
-          <a:bodyPr wrap="square" rtlCol="0">
-            <a:spAutoFit/>
-          </a:bodyPr>
-          <a:lstStyle/>
-          <a:p>
-            <a:r>
-              <a:rPr lang="pl-PL" sz="2800" dirty="0">
-                <a:solidFill>
-                  <a:srgbClr val="00B0F0"/>
-                </a:solidFill>
-                <a:latin typeface="Segoe UI Light" panose="020B0502040204020203" pitchFamily="34" charset="0"/>
-              </a:rPr>
-              <a:t>Okno dodawania produktów</a:t>
-            </a:r>
-            <a:endParaRPr lang="pl-PL" dirty="0">
-              <a:latin typeface="Segoe UI Light" panose="020B0502040204020203" pitchFamily="34" charset="0"/>
-            </a:endParaRPr>
-          </a:p>
-          <a:p>
-            <a:r>
-              <a:rPr lang="pl-PL" dirty="0">
-                <a:latin typeface="Segoe UI Light" panose="020B0502040204020203" pitchFamily="34" charset="0"/>
-              </a:rPr>
-              <a:t>Pola nazwy produktu, opis, automatyczna geolokalizacja, wybór żądanych opcji.</a:t>
-            </a:r>
-          </a:p>
-        </p:txBody>
-      </p:sp>
-    </p:spTree>
-    <p:extLst>
-      <p:ext uri="{BB962C8B-B14F-4D97-AF65-F5344CB8AC3E}">
-        <p14:creationId xmlns:p14="http://schemas.microsoft.com/office/powerpoint/2010/main" val="1507158260"/>
-      </p:ext>
-    </p:extLst>
-  </p:cSld>
-  <p:clrMapOvr>
-    <a:masterClrMapping/>
-  </p:clrMapOvr>
-</p:sld>
-</file>
-
-<file path=ppt/slides/slide6.xml><?xml version="1.0" encoding="utf-8"?>
-<p:sld xmlns:a="http://schemas.openxmlformats.org/drawingml/2006/main" xmlns:r="http://schemas.openxmlformats.org/officeDocument/2006/relationships" xmlns:p="http://schemas.openxmlformats.org/presentationml/2006/main">
-  <p:cSld>
-    <p:spTree>
-      <p:nvGrpSpPr>
-        <p:cNvPr id="1" name=""/>
-        <p:cNvGrpSpPr/>
-        <p:nvPr/>
-      </p:nvGrpSpPr>
-      <p:grpSpPr>
-        <a:xfrm>
-          <a:off x="0" y="0"/>
-          <a:ext cx="0" cy="0"/>
-          <a:chOff x="0" y="0"/>
-          <a:chExt cx="0" cy="0"/>
-        </a:xfrm>
-      </p:grpSpPr>
-      <p:sp>
-        <p:nvSpPr>
-          <p:cNvPr id="6" name="TextBox 5">
-            <a:extLst>
-              <a:ext uri="{FF2B5EF4-FFF2-40B4-BE49-F238E27FC236}">
-                <a16:creationId xmlns:a16="http://schemas.microsoft.com/office/drawing/2014/main" id="{4F14EFFD-F4F5-44D8-BF8F-0BD388124B31}"/>
-              </a:ext>
-            </a:extLst>
-          </p:cNvPr>
-          <p:cNvSpPr txBox="1"/>
-          <p:nvPr/>
-        </p:nvSpPr>
-        <p:spPr>
-          <a:xfrm>
-            <a:off x="827315" y="357257"/>
-            <a:ext cx="6386286" cy="707886"/>
-          </a:xfrm>
-          <a:prstGeom prst="rect">
-            <a:avLst/>
-          </a:prstGeom>
-          <a:noFill/>
-        </p:spPr>
-        <p:txBody>
-          <a:bodyPr wrap="square" rtlCol="0">
-            <a:spAutoFit/>
-          </a:bodyPr>
-          <a:lstStyle/>
-          <a:p>
-            <a:r>
-              <a:rPr lang="pl-PL" sz="4000" dirty="0">
-                <a:latin typeface="Segoe UI Light" panose="020B0502040204020203" pitchFamily="34" charset="0"/>
-              </a:rPr>
-              <a:t>Skład zespołu</a:t>
-            </a:r>
-          </a:p>
-        </p:txBody>
-      </p:sp>
-      <p:cxnSp>
-        <p:nvCxnSpPr>
-          <p:cNvPr id="8" name="Straight Connector 7">
-            <a:extLst>
-              <a:ext uri="{FF2B5EF4-FFF2-40B4-BE49-F238E27FC236}">
-                <a16:creationId xmlns:a16="http://schemas.microsoft.com/office/drawing/2014/main" id="{99FD36D2-7677-4E98-91BF-00C4A9554B3D}"/>
-              </a:ext>
-            </a:extLst>
-          </p:cNvPr>
-          <p:cNvCxnSpPr/>
-          <p:nvPr/>
-        </p:nvCxnSpPr>
-        <p:spPr>
-          <a:xfrm>
-            <a:off x="827314" y="1094171"/>
-            <a:ext cx="10537372" cy="0"/>
-          </a:xfrm>
-          <a:prstGeom prst="line">
-            <a:avLst/>
-          </a:prstGeom>
-        </p:spPr>
-        <p:style>
-          <a:lnRef idx="1">
-            <a:schemeClr val="dk1"/>
-          </a:lnRef>
-          <a:fillRef idx="0">
-            <a:schemeClr val="dk1"/>
-          </a:fillRef>
-          <a:effectRef idx="0">
-            <a:schemeClr val="dk1"/>
-          </a:effectRef>
-          <a:fontRef idx="minor">
-            <a:schemeClr val="tx1"/>
-          </a:fontRef>
-        </p:style>
-      </p:cxnSp>
-      <p:sp>
-        <p:nvSpPr>
-          <p:cNvPr id="9" name="TextBox 8">
-            <a:extLst>
-              <a:ext uri="{FF2B5EF4-FFF2-40B4-BE49-F238E27FC236}">
-                <a16:creationId xmlns:a16="http://schemas.microsoft.com/office/drawing/2014/main" id="{A74FC5A4-E0BD-44E8-82CE-E1566C7E0A12}"/>
-              </a:ext>
-            </a:extLst>
-          </p:cNvPr>
-          <p:cNvSpPr txBox="1"/>
-          <p:nvPr/>
-        </p:nvSpPr>
-        <p:spPr>
-          <a:xfrm>
-            <a:off x="827311" y="1596571"/>
             <a:ext cx="4920343" cy="800219"/>
           </a:xfrm>
           <a:prstGeom prst="rect">
@@ -5362,7 +5105,7 @@
               <a:rPr lang="pl-PL" dirty="0">
                 <a:latin typeface="Segoe UI Light" panose="020B0502040204020203" pitchFamily="34" charset="0"/>
               </a:rPr>
-              <a:t>Funkcjonalność, baza danych</a:t>
+              <a:t>Funkcjonalność</a:t>
             </a:r>
           </a:p>
         </p:txBody>
@@ -5458,7 +5201,7 @@
               <a:rPr lang="pl-PL" dirty="0">
                 <a:latin typeface="Segoe UI Light" panose="020B0502040204020203" pitchFamily="34" charset="0"/>
               </a:rPr>
-              <a:t>Bezpieczeństwo, funkcjonalność</a:t>
+              <a:t>Interfejs, funkcjonalność</a:t>
             </a:r>
           </a:p>
         </p:txBody>
@@ -5466,7 +5209,7 @@
     </p:spTree>
     <p:extLst>
       <p:ext uri="{BB962C8B-B14F-4D97-AF65-F5344CB8AC3E}">
-        <p14:creationId xmlns:p14="http://schemas.microsoft.com/office/powerpoint/2010/main" val="3214909401"/>
+        <p14:creationId xmlns:p14="http://schemas.microsoft.com/office/powerpoint/2010/main" val="1507158260"/>
       </p:ext>
     </p:extLst>
   </p:cSld>
@@ -5670,7 +5413,7 @@
 </p:sld>
 </file>
 
-<file path=ppt/slides/slide7.xml><?xml version="1.0" encoding="utf-8"?>
+<file path=ppt/slides/slide6.xml><?xml version="1.0" encoding="utf-8"?>
 <p:sld xmlns:a="http://schemas.openxmlformats.org/drawingml/2006/main" xmlns:r="http://schemas.openxmlformats.org/officeDocument/2006/relationships" xmlns:p="http://schemas.openxmlformats.org/presentationml/2006/main">
   <p:cSld>
     <p:spTree>
@@ -5775,7 +5518,7 @@
         <p:spPr>
           <a:xfrm>
             <a:off x="1074057" y="1625600"/>
-            <a:ext cx="8329825" cy="3347519"/>
+            <a:ext cx="6429829" cy="3046988"/>
           </a:xfrm>
           <a:prstGeom prst="rect">
             <a:avLst/>
@@ -5789,9 +5532,6 @@
           <a:lstStyle/>
           <a:p>
             <a:pPr marL="342900" indent="-342900">
-              <a:lnSpc>
-                <a:spcPct val="150000"/>
-              </a:lnSpc>
               <a:buFont typeface="+mj-lt"/>
               <a:buAutoNum type="arabicPeriod"/>
             </a:pPr>
@@ -5804,9 +5544,6 @@
           </a:p>
           <a:p>
             <a:pPr marL="342900" indent="-342900">
-              <a:lnSpc>
-                <a:spcPct val="150000"/>
-              </a:lnSpc>
               <a:buFont typeface="+mj-lt"/>
               <a:buAutoNum type="arabicPeriod"/>
             </a:pPr>
@@ -5819,9 +5556,6 @@
           </a:p>
           <a:p>
             <a:pPr marL="342900" indent="-342900">
-              <a:lnSpc>
-                <a:spcPct val="150000"/>
-              </a:lnSpc>
               <a:buFont typeface="+mj-lt"/>
               <a:buAutoNum type="arabicPeriod"/>
             </a:pPr>
@@ -5834,9 +5568,6 @@
           </a:p>
           <a:p>
             <a:pPr marL="342900" indent="-342900">
-              <a:lnSpc>
-                <a:spcPct val="150000"/>
-              </a:lnSpc>
               <a:buFont typeface="+mj-lt"/>
               <a:buAutoNum type="arabicPeriod"/>
             </a:pPr>
@@ -5849,9 +5580,6 @@
           </a:p>
           <a:p>
             <a:pPr marL="342900" indent="-342900">
-              <a:lnSpc>
-                <a:spcPct val="150000"/>
-              </a:lnSpc>
               <a:buFont typeface="+mj-lt"/>
               <a:buAutoNum type="arabicPeriod"/>
             </a:pPr>
@@ -5864,9 +5592,6 @@
           </a:p>
           <a:p>
             <a:pPr marL="342900" indent="-342900">
-              <a:lnSpc>
-                <a:spcPct val="150000"/>
-              </a:lnSpc>
               <a:buFont typeface="+mj-lt"/>
               <a:buAutoNum type="arabicPeriod"/>
             </a:pPr>
